--- a/presentation sienna/présentation sienna.pptx
+++ b/presentation sienna/présentation sienna.pptx
@@ -5,20 +5,21 @@
     <p:sldMasterId id="2147483648" r:id="rId1"/>
   </p:sldMasterIdLst>
   <p:notesMasterIdLst>
-    <p:notesMasterId r:id="rId10"/>
+    <p:notesMasterId r:id="rId11"/>
   </p:notesMasterIdLst>
   <p:handoutMasterIdLst>
-    <p:handoutMasterId r:id="rId11"/>
+    <p:handoutMasterId r:id="rId12"/>
   </p:handoutMasterIdLst>
   <p:sldIdLst>
     <p:sldId id="260" r:id="rId2"/>
     <p:sldId id="256" r:id="rId3"/>
     <p:sldId id="257" r:id="rId4"/>
     <p:sldId id="259" r:id="rId5"/>
-    <p:sldId id="261" r:id="rId6"/>
-    <p:sldId id="262" r:id="rId7"/>
-    <p:sldId id="264" r:id="rId8"/>
-    <p:sldId id="263" r:id="rId9"/>
+    <p:sldId id="265" r:id="rId6"/>
+    <p:sldId id="261" r:id="rId7"/>
+    <p:sldId id="262" r:id="rId8"/>
+    <p:sldId id="264" r:id="rId9"/>
+    <p:sldId id="263" r:id="rId10"/>
   </p:sldIdLst>
   <p:sldSz cx="10080625" cy="5670550"/>
   <p:notesSz cx="7559675" cy="10691813"/>
@@ -117,7 +118,176 @@
       </a:defRPr>
     </a:lvl9pPr>
   </p:defaultTextStyle>
+  <p:extLst>
+    <p:ext uri="{EFAFB233-063F-42B5-8137-9DF3F51BA10A}">
+      <p15:sldGuideLst xmlns:p15="http://schemas.microsoft.com/office/powerpoint/2012/main"/>
+    </p:ext>
+  </p:extLst>
 </p:presentation>
+</file>
+
+<file path=ppt/revisionInfo.xml><?xml version="1.0" encoding="utf-8"?>
+<p1510:revInfo xmlns:a="http://schemas.openxmlformats.org/drawingml/2006/main" xmlns:r="http://schemas.openxmlformats.org/officeDocument/2006/relationships" xmlns:p1510="http://schemas.microsoft.com/office/powerpoint/2015/10/main">
+  <p1510:revLst>
+    <p1510:client id="{6E07E19E-3DEA-4FA8-9827-1F20F701C4D8}" v="87" dt="2021-10-08T09:18:55.700"/>
+  </p1510:revLst>
+</p1510:revInfo>
+</file>
+
+<file path=ppt/changesInfos/changesInfo1.xml><?xml version="1.0" encoding="utf-8"?>
+<pc:chgInfo xmlns:a="http://schemas.openxmlformats.org/drawingml/2006/main" xmlns:r="http://schemas.openxmlformats.org/officeDocument/2006/relationships" xmlns:ac="http://schemas.microsoft.com/office/drawing/2013/main/command" xmlns:pc="http://schemas.microsoft.com/office/powerpoint/2013/main/command">
+  <pc:docChgLst>
+    <pc:chgData name="M Guimard" userId="e30b607f-d281-4770-a211-cf6e1567842f" providerId="ADAL" clId="{6E07E19E-3DEA-4FA8-9827-1F20F701C4D8}"/>
+    <pc:docChg chg="addSld modSld">
+      <pc:chgData name="M Guimard" userId="e30b607f-d281-4770-a211-cf6e1567842f" providerId="ADAL" clId="{6E07E19E-3DEA-4FA8-9827-1F20F701C4D8}" dt="2021-10-08T09:19:00.435" v="192" actId="1076"/>
+      <pc:docMkLst>
+        <pc:docMk/>
+      </pc:docMkLst>
+      <pc:sldChg chg="addSp modSp mod">
+        <pc:chgData name="M Guimard" userId="e30b607f-d281-4770-a211-cf6e1567842f" providerId="ADAL" clId="{6E07E19E-3DEA-4FA8-9827-1F20F701C4D8}" dt="2021-10-08T09:10:58.655" v="31" actId="14100"/>
+        <pc:sldMkLst>
+          <pc:docMk/>
+          <pc:sldMk cId="1936325670" sldId="261"/>
+        </pc:sldMkLst>
+        <pc:spChg chg="mod">
+          <ac:chgData name="M Guimard" userId="e30b607f-d281-4770-a211-cf6e1567842f" providerId="ADAL" clId="{6E07E19E-3DEA-4FA8-9827-1F20F701C4D8}" dt="2021-10-08T09:10:50.606" v="30" actId="1035"/>
+          <ac:spMkLst>
+            <pc:docMk/>
+            <pc:sldMk cId="1936325670" sldId="261"/>
+            <ac:spMk id="3" creationId="{4B68D3D1-AC66-44D1-8EA1-93ACF76C9486}"/>
+          </ac:spMkLst>
+        </pc:spChg>
+        <pc:spChg chg="mod">
+          <ac:chgData name="M Guimard" userId="e30b607f-d281-4770-a211-cf6e1567842f" providerId="ADAL" clId="{6E07E19E-3DEA-4FA8-9827-1F20F701C4D8}" dt="2021-10-08T09:10:50.606" v="30" actId="1035"/>
+          <ac:spMkLst>
+            <pc:docMk/>
+            <pc:sldMk cId="1936325670" sldId="261"/>
+            <ac:spMk id="4" creationId="{F80A7EFF-86E9-469C-ACEA-FE400F0A85E0}"/>
+          </ac:spMkLst>
+        </pc:spChg>
+        <pc:spChg chg="mod">
+          <ac:chgData name="M Guimard" userId="e30b607f-d281-4770-a211-cf6e1567842f" providerId="ADAL" clId="{6E07E19E-3DEA-4FA8-9827-1F20F701C4D8}" dt="2021-10-08T09:10:50.606" v="30" actId="1035"/>
+          <ac:spMkLst>
+            <pc:docMk/>
+            <pc:sldMk cId="1936325670" sldId="261"/>
+            <ac:spMk id="5" creationId="{800CFE0A-280A-45A7-9CC7-4C6B6DEE2BBB}"/>
+          </ac:spMkLst>
+        </pc:spChg>
+        <pc:spChg chg="mod">
+          <ac:chgData name="M Guimard" userId="e30b607f-d281-4770-a211-cf6e1567842f" providerId="ADAL" clId="{6E07E19E-3DEA-4FA8-9827-1F20F701C4D8}" dt="2021-10-08T09:10:50.606" v="30" actId="1035"/>
+          <ac:spMkLst>
+            <pc:docMk/>
+            <pc:sldMk cId="1936325670" sldId="261"/>
+            <ac:spMk id="7" creationId="{09D2F2A7-E7E5-4DDC-BEA3-46EC48903B50}"/>
+          </ac:spMkLst>
+        </pc:spChg>
+        <pc:spChg chg="mod">
+          <ac:chgData name="M Guimard" userId="e30b607f-d281-4770-a211-cf6e1567842f" providerId="ADAL" clId="{6E07E19E-3DEA-4FA8-9827-1F20F701C4D8}" dt="2021-10-08T09:10:50.606" v="30" actId="1035"/>
+          <ac:spMkLst>
+            <pc:docMk/>
+            <pc:sldMk cId="1936325670" sldId="261"/>
+            <ac:spMk id="8" creationId="{2F96B269-C947-40CF-86F2-8285B81E4ECE}"/>
+          </ac:spMkLst>
+        </pc:spChg>
+        <pc:spChg chg="mod">
+          <ac:chgData name="M Guimard" userId="e30b607f-d281-4770-a211-cf6e1567842f" providerId="ADAL" clId="{6E07E19E-3DEA-4FA8-9827-1F20F701C4D8}" dt="2021-10-08T09:10:50.606" v="30" actId="1035"/>
+          <ac:spMkLst>
+            <pc:docMk/>
+            <pc:sldMk cId="1936325670" sldId="261"/>
+            <ac:spMk id="9" creationId="{98772563-9D36-488F-A8DD-F9CEBFB81546}"/>
+          </ac:spMkLst>
+        </pc:spChg>
+        <pc:spChg chg="add mod">
+          <ac:chgData name="M Guimard" userId="e30b607f-d281-4770-a211-cf6e1567842f" providerId="ADAL" clId="{6E07E19E-3DEA-4FA8-9827-1F20F701C4D8}" dt="2021-10-08T09:10:45.861" v="1" actId="571"/>
+          <ac:spMkLst>
+            <pc:docMk/>
+            <pc:sldMk cId="1936325670" sldId="261"/>
+            <ac:spMk id="10" creationId="{9E6116B3-C10A-447E-8E15-C3E2098C1E42}"/>
+          </ac:spMkLst>
+        </pc:spChg>
+        <pc:spChg chg="add mod">
+          <ac:chgData name="M Guimard" userId="e30b607f-d281-4770-a211-cf6e1567842f" providerId="ADAL" clId="{6E07E19E-3DEA-4FA8-9827-1F20F701C4D8}" dt="2021-10-08T09:10:45.861" v="1" actId="571"/>
+          <ac:spMkLst>
+            <pc:docMk/>
+            <pc:sldMk cId="1936325670" sldId="261"/>
+            <ac:spMk id="11" creationId="{5A633535-E500-47E9-9925-EEC35C7C92A8}"/>
+          </ac:spMkLst>
+        </pc:spChg>
+        <pc:spChg chg="add mod">
+          <ac:chgData name="M Guimard" userId="e30b607f-d281-4770-a211-cf6e1567842f" providerId="ADAL" clId="{6E07E19E-3DEA-4FA8-9827-1F20F701C4D8}" dt="2021-10-08T09:10:45.861" v="1" actId="571"/>
+          <ac:spMkLst>
+            <pc:docMk/>
+            <pc:sldMk cId="1936325670" sldId="261"/>
+            <ac:spMk id="12" creationId="{E172534C-D056-4744-A4E8-4E947CC1EED9}"/>
+          </ac:spMkLst>
+        </pc:spChg>
+        <pc:spChg chg="add mod">
+          <ac:chgData name="M Guimard" userId="e30b607f-d281-4770-a211-cf6e1567842f" providerId="ADAL" clId="{6E07E19E-3DEA-4FA8-9827-1F20F701C4D8}" dt="2021-10-08T09:10:45.861" v="1" actId="571"/>
+          <ac:spMkLst>
+            <pc:docMk/>
+            <pc:sldMk cId="1936325670" sldId="261"/>
+            <ac:spMk id="14" creationId="{8A92DDB0-98CC-452F-9565-A0937EAB1219}"/>
+          </ac:spMkLst>
+        </pc:spChg>
+        <pc:spChg chg="add mod">
+          <ac:chgData name="M Guimard" userId="e30b607f-d281-4770-a211-cf6e1567842f" providerId="ADAL" clId="{6E07E19E-3DEA-4FA8-9827-1F20F701C4D8}" dt="2021-10-08T09:10:45.861" v="1" actId="571"/>
+          <ac:spMkLst>
+            <pc:docMk/>
+            <pc:sldMk cId="1936325670" sldId="261"/>
+            <ac:spMk id="15" creationId="{A7D9CF65-07EF-469D-BC5F-0F0F268FB841}"/>
+          </ac:spMkLst>
+        </pc:spChg>
+        <pc:spChg chg="add mod">
+          <ac:chgData name="M Guimard" userId="e30b607f-d281-4770-a211-cf6e1567842f" providerId="ADAL" clId="{6E07E19E-3DEA-4FA8-9827-1F20F701C4D8}" dt="2021-10-08T09:10:45.861" v="1" actId="571"/>
+          <ac:spMkLst>
+            <pc:docMk/>
+            <pc:sldMk cId="1936325670" sldId="261"/>
+            <ac:spMk id="16" creationId="{346D2894-F8FC-4FD3-9EAB-60645E7F96A5}"/>
+          </ac:spMkLst>
+        </pc:spChg>
+        <pc:graphicFrameChg chg="mod modGraphic">
+          <ac:chgData name="M Guimard" userId="e30b607f-d281-4770-a211-cf6e1567842f" providerId="ADAL" clId="{6E07E19E-3DEA-4FA8-9827-1F20F701C4D8}" dt="2021-10-08T09:10:58.655" v="31" actId="14100"/>
+          <ac:graphicFrameMkLst>
+            <pc:docMk/>
+            <pc:sldMk cId="1936325670" sldId="261"/>
+            <ac:graphicFrameMk id="6" creationId="{6ED0FB36-D874-4C42-BF5F-F1FD9C56587E}"/>
+          </ac:graphicFrameMkLst>
+        </pc:graphicFrameChg>
+        <pc:graphicFrameChg chg="add mod">
+          <ac:chgData name="M Guimard" userId="e30b607f-d281-4770-a211-cf6e1567842f" providerId="ADAL" clId="{6E07E19E-3DEA-4FA8-9827-1F20F701C4D8}" dt="2021-10-08T09:10:45.861" v="1" actId="571"/>
+          <ac:graphicFrameMkLst>
+            <pc:docMk/>
+            <pc:sldMk cId="1936325670" sldId="261"/>
+            <ac:graphicFrameMk id="13" creationId="{F6036F63-445D-4D56-A40D-CDF4546D48AB}"/>
+          </ac:graphicFrameMkLst>
+        </pc:graphicFrameChg>
+      </pc:sldChg>
+      <pc:sldChg chg="addSp modSp new mod">
+        <pc:chgData name="M Guimard" userId="e30b607f-d281-4770-a211-cf6e1567842f" providerId="ADAL" clId="{6E07E19E-3DEA-4FA8-9827-1F20F701C4D8}" dt="2021-10-08T09:19:00.435" v="192" actId="1076"/>
+        <pc:sldMkLst>
+          <pc:docMk/>
+          <pc:sldMk cId="3369803153" sldId="265"/>
+        </pc:sldMkLst>
+        <pc:spChg chg="add mod">
+          <ac:chgData name="M Guimard" userId="e30b607f-d281-4770-a211-cf6e1567842f" providerId="ADAL" clId="{6E07E19E-3DEA-4FA8-9827-1F20F701C4D8}" dt="2021-10-08T09:11:23.814" v="33"/>
+          <ac:spMkLst>
+            <pc:docMk/>
+            <pc:sldMk cId="3369803153" sldId="265"/>
+            <ac:spMk id="2" creationId="{182391C9-1159-4B60-A94F-4501A5D065B1}"/>
+          </ac:spMkLst>
+        </pc:spChg>
+        <pc:spChg chg="add mod">
+          <ac:chgData name="M Guimard" userId="e30b607f-d281-4770-a211-cf6e1567842f" providerId="ADAL" clId="{6E07E19E-3DEA-4FA8-9827-1F20F701C4D8}" dt="2021-10-08T09:19:00.435" v="192" actId="1076"/>
+          <ac:spMkLst>
+            <pc:docMk/>
+            <pc:sldMk cId="3369803153" sldId="265"/>
+            <ac:spMk id="3" creationId="{24ACF933-578F-41B9-9432-B5F423FC86E9}"/>
+          </ac:spMkLst>
+        </pc:spChg>
+      </pc:sldChg>
+    </pc:docChg>
+  </pc:docChgLst>
+</pc:chgInfo>
 </file>
 
 <file path=ppt/handoutMasters/handoutMaster1.xml><?xml version="1.0" encoding="utf-8"?>
@@ -3992,7 +4162,7 @@
       </p:sp>
       <p:pic>
         <p:nvPicPr>
-          <p:cNvPr id="5" name="">
+          <p:cNvPr id="5" name="Image 4">
             <a:extLst>
               <a:ext uri="{FF2B5EF4-FFF2-40B4-BE49-F238E27FC236}">
                 <a16:creationId xmlns:a16="http://schemas.microsoft.com/office/drawing/2014/main" id="{AE774937-9FE5-4568-95A5-38FDE1C36289}"/>
@@ -4177,7 +4347,7 @@
       </p:sp>
       <p:pic>
         <p:nvPicPr>
-          <p:cNvPr id="4" name="">
+          <p:cNvPr id="4" name="Image 3">
             <a:extLst>
               <a:ext uri="{FF2B5EF4-FFF2-40B4-BE49-F238E27FC236}">
                 <a16:creationId xmlns:a16="http://schemas.microsoft.com/office/drawing/2014/main" id="{5D3BA437-C989-4D37-94D8-6184A587E4DE}"/>
@@ -4680,7 +4850,7 @@
           <p:cNvPr id="2" name="Titre 1">
             <a:extLst>
               <a:ext uri="{FF2B5EF4-FFF2-40B4-BE49-F238E27FC236}">
-                <a16:creationId xmlns:a16="http://schemas.microsoft.com/office/drawing/2014/main" id="{D6079B74-031B-4EC8-A7D5-0318262AC0A6}"/>
+                <a16:creationId xmlns:a16="http://schemas.microsoft.com/office/drawing/2014/main" id="{182391C9-1159-4B60-A94F-4501A5D065B1}"/>
               </a:ext>
             </a:extLst>
           </p:cNvPr>
@@ -4733,6 +4903,484 @@
           </a:p>
         </p:txBody>
       </p:sp>
+      <mc:AlternateContent xmlns:mc="http://schemas.openxmlformats.org/markup-compatibility/2006">
+        <mc:Choice xmlns:a14="http://schemas.microsoft.com/office/drawing/2010/main" Requires="a14">
+          <p:sp>
+            <p:nvSpPr>
+              <p:cNvPr id="3" name="ZoneTexte 2">
+                <a:extLst>
+                  <a:ext uri="{FF2B5EF4-FFF2-40B4-BE49-F238E27FC236}">
+                    <a16:creationId xmlns:a16="http://schemas.microsoft.com/office/drawing/2014/main" id="{24ACF933-578F-41B9-9432-B5F423FC86E9}"/>
+                  </a:ext>
+                </a:extLst>
+              </p:cNvPr>
+              <p:cNvSpPr txBox="1"/>
+              <p:nvPr/>
+            </p:nvSpPr>
+            <p:spPr>
+              <a:xfrm>
+                <a:off x="781664" y="907375"/>
+                <a:ext cx="7949381" cy="1927900"/>
+              </a:xfrm>
+              <a:prstGeom prst="rect">
+                <a:avLst/>
+              </a:prstGeom>
+              <a:noFill/>
+            </p:spPr>
+            <p:txBody>
+              <a:bodyPr wrap="square" rtlCol="0">
+                <a:spAutoFit/>
+              </a:bodyPr>
+              <a:lstStyle/>
+              <a:p>
+                <a:r>
+                  <a:rPr lang="fr-FR" dirty="0"/>
+                  <a:t>Une relation de récurrence à implémenter:                     </a:t>
+                </a:r>
+              </a:p>
+              <a:p>
+                <a:endParaRPr lang="fr-FR" dirty="0"/>
+              </a:p>
+              <a:p>
+                <a:endParaRPr lang="fr-FR" dirty="0"/>
+              </a:p>
+              <a:p>
+                <a14:m>
+                  <m:oMathPara xmlns:m="http://schemas.openxmlformats.org/officeDocument/2006/math">
+                    <m:oMathParaPr>
+                      <m:jc m:val="centerGroup"/>
+                    </m:oMathParaPr>
+                    <m:oMath xmlns:m="http://schemas.openxmlformats.org/officeDocument/2006/math">
+                      <m:nary>
+                        <m:naryPr>
+                          <m:chr m:val="∑"/>
+                          <m:limLoc m:val="undOvr"/>
+                          <m:grow m:val="on"/>
+                          <m:ctrlPr>
+                            <a:rPr lang="fr-FR" dirty="0" smtClean="0">
+                              <a:latin typeface="Cambria Math" panose="02040503050406030204" pitchFamily="18" charset="0"/>
+                            </a:rPr>
+                          </m:ctrlPr>
+                        </m:naryPr>
+                        <m:sub>
+                          <m:r>
+                            <a:rPr lang="fr-FR" i="1" dirty="0">
+                              <a:latin typeface="Cambria Math" panose="02040503050406030204" pitchFamily="18" charset="0"/>
+                            </a:rPr>
+                            <m:t>𝑛</m:t>
+                          </m:r>
+                          <m:r>
+                            <a:rPr lang="fr-FR" i="0" dirty="0">
+                              <a:latin typeface="Cambria Math" panose="02040503050406030204" pitchFamily="18" charset="0"/>
+                            </a:rPr>
+                            <m:t>=</m:t>
+                          </m:r>
+                          <m:r>
+                            <a:rPr lang="fr-FR" b="0" i="1" dirty="0" smtClean="0">
+                              <a:latin typeface="Cambria Math" panose="02040503050406030204" pitchFamily="18" charset="0"/>
+                            </a:rPr>
+                            <m:t>1</m:t>
+                          </m:r>
+                        </m:sub>
+                        <m:sup>
+                          <m:r>
+                            <a:rPr lang="fr-FR" i="1" dirty="0">
+                              <a:latin typeface="Cambria Math" panose="02040503050406030204" pitchFamily="18" charset="0"/>
+                            </a:rPr>
+                            <m:t>𝑁</m:t>
+                          </m:r>
+                        </m:sup>
+                        <m:e>
+                          <m:nary>
+                            <m:naryPr>
+                              <m:chr m:val="∑"/>
+                              <m:limLoc m:val="undOvr"/>
+                              <m:grow m:val="on"/>
+                              <m:ctrlPr>
+                                <a:rPr lang="fr-FR" i="1" dirty="0">
+                                  <a:latin typeface="Cambria Math" panose="02040503050406030204" pitchFamily="18" charset="0"/>
+                                </a:rPr>
+                              </m:ctrlPr>
+                            </m:naryPr>
+                            <m:sub>
+                              <m:r>
+                                <a:rPr lang="fr-FR" i="1" dirty="0">
+                                  <a:latin typeface="Cambria Math" panose="02040503050406030204" pitchFamily="18" charset="0"/>
+                                </a:rPr>
+                                <m:t>𝑤</m:t>
+                              </m:r>
+                              <m:r>
+                                <a:rPr lang="fr-FR" i="0" dirty="0">
+                                  <a:latin typeface="Cambria Math" panose="02040503050406030204" pitchFamily="18" charset="0"/>
+                                </a:rPr>
+                                <m:t>=</m:t>
+                              </m:r>
+                              <m:r>
+                                <a:rPr lang="fr-FR" b="0" i="1" dirty="0" smtClean="0">
+                                  <a:latin typeface="Cambria Math" panose="02040503050406030204" pitchFamily="18" charset="0"/>
+                                </a:rPr>
+                                <m:t>1</m:t>
+                              </m:r>
+                            </m:sub>
+                            <m:sup>
+                              <m:r>
+                                <a:rPr lang="fr-FR" i="1" dirty="0">
+                                  <a:latin typeface="Cambria Math" panose="02040503050406030204" pitchFamily="18" charset="0"/>
+                                </a:rPr>
+                                <m:t>𝑤</m:t>
+                              </m:r>
+                            </m:sup>
+                            <m:e>
+                              <m:func>
+                                <m:funcPr>
+                                  <m:ctrlPr>
+                                    <a:rPr lang="fr-FR" i="1" dirty="0">
+                                      <a:latin typeface="Cambria Math" panose="02040503050406030204" pitchFamily="18" charset="0"/>
+                                    </a:rPr>
+                                  </m:ctrlPr>
+                                </m:funcPr>
+                                <m:fName>
+                                  <m:r>
+                                    <a:rPr lang="fr-FR" b="0" i="1" dirty="0" smtClean="0">
+                                      <a:latin typeface="Cambria Math" panose="02040503050406030204" pitchFamily="18" charset="0"/>
+                                    </a:rPr>
+                                    <m:t>(</m:t>
+                                  </m:r>
+                                  <m:r>
+                                    <m:rPr>
+                                      <m:sty m:val="p"/>
+                                    </m:rPr>
+                                    <a:rPr lang="fr-FR" i="0" dirty="0">
+                                      <a:latin typeface="Cambria Math" panose="02040503050406030204" pitchFamily="18" charset="0"/>
+                                    </a:rPr>
+                                    <m:t>max</m:t>
+                                  </m:r>
+                                </m:fName>
+                                <m:e>
+                                  <m:r>
+                                    <a:rPr lang="fr-FR" b="0" i="1" dirty="0" smtClean="0">
+                                      <a:latin typeface="Cambria Math" panose="02040503050406030204" pitchFamily="18" charset="0"/>
+                                    </a:rPr>
+                                    <m:t>(</m:t>
+                                  </m:r>
+                                  <m:r>
+                                    <a:rPr lang="fr-FR" b="0" i="1" dirty="0" smtClean="0">
+                                      <a:latin typeface="Cambria Math" panose="02040503050406030204" pitchFamily="18" charset="0"/>
+                                    </a:rPr>
+                                    <m:t>𝑇</m:t>
+                                  </m:r>
+                                  <m:d>
+                                    <m:dPr>
+                                      <m:begChr m:val="["/>
+                                      <m:endChr m:val="]"/>
+                                      <m:ctrlPr>
+                                        <a:rPr lang="fr-FR" b="0" i="1" dirty="0" smtClean="0">
+                                          <a:latin typeface="Cambria Math" panose="02040503050406030204" pitchFamily="18" charset="0"/>
+                                        </a:rPr>
+                                      </m:ctrlPr>
+                                    </m:dPr>
+                                    <m:e>
+                                      <m:r>
+                                        <a:rPr lang="fr-FR" b="0" i="1" dirty="0" smtClean="0">
+                                          <a:latin typeface="Cambria Math" panose="02040503050406030204" pitchFamily="18" charset="0"/>
+                                        </a:rPr>
+                                        <m:t>𝑛</m:t>
+                                      </m:r>
+                                      <m:r>
+                                        <a:rPr lang="fr-FR" b="0" i="1" dirty="0" smtClean="0">
+                                          <a:latin typeface="Cambria Math" panose="02040503050406030204" pitchFamily="18" charset="0"/>
+                                        </a:rPr>
+                                        <m:t>−1;</m:t>
+                                      </m:r>
+                                      <m:r>
+                                        <a:rPr lang="fr-FR" b="0" i="1" dirty="0" smtClean="0">
+                                          <a:latin typeface="Cambria Math" panose="02040503050406030204" pitchFamily="18" charset="0"/>
+                                        </a:rPr>
+                                        <m:t>𝑤</m:t>
+                                      </m:r>
+                                    </m:e>
+                                  </m:d>
+                                  <m:r>
+                                    <a:rPr lang="fr-FR" b="0" i="1" dirty="0" smtClean="0">
+                                      <a:latin typeface="Cambria Math" panose="02040503050406030204" pitchFamily="18" charset="0"/>
+                                    </a:rPr>
+                                    <m:t>;</m:t>
+                                  </m:r>
+                                  <m:r>
+                                    <a:rPr lang="fr-FR" b="0" i="1" dirty="0" smtClean="0">
+                                      <a:latin typeface="Cambria Math" panose="02040503050406030204" pitchFamily="18" charset="0"/>
+                                    </a:rPr>
+                                    <m:t>𝑇</m:t>
+                                  </m:r>
+                                  <m:d>
+                                    <m:dPr>
+                                      <m:begChr m:val="["/>
+                                      <m:ctrlPr>
+                                        <a:rPr lang="fr-FR" b="0" i="1" dirty="0" smtClean="0">
+                                          <a:latin typeface="Cambria Math" panose="02040503050406030204" pitchFamily="18" charset="0"/>
+                                        </a:rPr>
+                                      </m:ctrlPr>
+                                    </m:dPr>
+                                    <m:e>
+                                      <m:r>
+                                        <a:rPr lang="fr-FR" b="0" i="1" dirty="0" smtClean="0">
+                                          <a:latin typeface="Cambria Math" panose="02040503050406030204" pitchFamily="18" charset="0"/>
+                                        </a:rPr>
+                                        <m:t>𝑛</m:t>
+                                      </m:r>
+                                      <m:r>
+                                        <a:rPr lang="fr-FR" b="0" i="1" dirty="0" smtClean="0">
+                                          <a:latin typeface="Cambria Math" panose="02040503050406030204" pitchFamily="18" charset="0"/>
+                                        </a:rPr>
+                                        <m:t>−1, </m:t>
+                                      </m:r>
+                                      <m:r>
+                                        <a:rPr lang="fr-FR" b="0" i="1" dirty="0" smtClean="0">
+                                          <a:latin typeface="Cambria Math" panose="02040503050406030204" pitchFamily="18" charset="0"/>
+                                        </a:rPr>
+                                        <m:t>𝑤</m:t>
+                                      </m:r>
+                                      <m:r>
+                                        <a:rPr lang="fr-FR" b="0" i="1" dirty="0" smtClean="0">
+                                          <a:latin typeface="Cambria Math" panose="02040503050406030204" pitchFamily="18" charset="0"/>
+                                        </a:rPr>
+                                        <m:t>−</m:t>
+                                      </m:r>
+                                      <m:r>
+                                        <a:rPr lang="fr-FR" b="0" i="1" dirty="0" smtClean="0">
+                                          <a:latin typeface="Cambria Math" panose="02040503050406030204" pitchFamily="18" charset="0"/>
+                                        </a:rPr>
+                                        <m:t>𝑤𝑒𝑖𝑔h𝑡𝑠</m:t>
+                                      </m:r>
+                                      <m:d>
+                                        <m:dPr>
+                                          <m:begChr m:val="["/>
+                                          <m:endChr m:val="]"/>
+                                          <m:ctrlPr>
+                                            <a:rPr lang="fr-FR" b="0" i="1" dirty="0" smtClean="0">
+                                              <a:latin typeface="Cambria Math" panose="02040503050406030204" pitchFamily="18" charset="0"/>
+                                            </a:rPr>
+                                          </m:ctrlPr>
+                                        </m:dPr>
+                                        <m:e>
+                                          <m:r>
+                                            <a:rPr lang="fr-FR" b="0" i="1" dirty="0" smtClean="0">
+                                              <a:latin typeface="Cambria Math" panose="02040503050406030204" pitchFamily="18" charset="0"/>
+                                            </a:rPr>
+                                            <m:t>𝑛</m:t>
+                                          </m:r>
+                                        </m:e>
+                                      </m:d>
+                                    </m:e>
+                                  </m:d>
+                                  <m:r>
+                                    <a:rPr lang="fr-FR" b="0" i="1" dirty="0" smtClean="0">
+                                      <a:latin typeface="Cambria Math" panose="02040503050406030204" pitchFamily="18" charset="0"/>
+                                    </a:rPr>
+                                    <m:t>  </m:t>
+                                  </m:r>
+                                </m:e>
+                              </m:func>
+                            </m:e>
+                          </m:nary>
+                        </m:e>
+                      </m:nary>
+                      <m:r>
+                        <a:rPr lang="fr-FR" b="0" i="1" dirty="0" smtClean="0">
+                          <a:latin typeface="Cambria Math" panose="02040503050406030204" pitchFamily="18" charset="0"/>
+                        </a:rPr>
+                        <m:t>𝑥𝑜𝑟</m:t>
+                      </m:r>
+                      <m:r>
+                        <a:rPr lang="fr-FR" b="0" i="1" dirty="0" smtClean="0">
+                          <a:latin typeface="Cambria Math" panose="02040503050406030204" pitchFamily="18" charset="0"/>
+                        </a:rPr>
+                        <m:t> </m:t>
+                      </m:r>
+                      <m:r>
+                        <a:rPr lang="fr-FR" b="0" i="1" dirty="0" smtClean="0">
+                          <a:latin typeface="Cambria Math" panose="02040503050406030204" pitchFamily="18" charset="0"/>
+                        </a:rPr>
+                        <m:t>𝑇</m:t>
+                      </m:r>
+                      <m:d>
+                        <m:dPr>
+                          <m:begChr m:val="["/>
+                          <m:endChr m:val="]"/>
+                          <m:ctrlPr>
+                            <a:rPr lang="fr-FR" b="0" i="1" dirty="0" smtClean="0">
+                              <a:latin typeface="Cambria Math" panose="02040503050406030204" pitchFamily="18" charset="0"/>
+                            </a:rPr>
+                          </m:ctrlPr>
+                        </m:dPr>
+                        <m:e>
+                          <m:r>
+                            <a:rPr lang="fr-FR" b="0" i="1" dirty="0" smtClean="0">
+                              <a:latin typeface="Cambria Math" panose="02040503050406030204" pitchFamily="18" charset="0"/>
+                            </a:rPr>
+                            <m:t>𝑛</m:t>
+                          </m:r>
+                          <m:r>
+                            <a:rPr lang="fr-FR" b="0" i="1" dirty="0" smtClean="0">
+                              <a:latin typeface="Cambria Math" panose="02040503050406030204" pitchFamily="18" charset="0"/>
+                            </a:rPr>
+                            <m:t>−1, </m:t>
+                          </m:r>
+                          <m:r>
+                            <a:rPr lang="fr-FR" b="0" i="1" dirty="0" smtClean="0">
+                              <a:latin typeface="Cambria Math" panose="02040503050406030204" pitchFamily="18" charset="0"/>
+                            </a:rPr>
+                            <m:t>𝑤</m:t>
+                          </m:r>
+                        </m:e>
+                      </m:d>
+                      <m:r>
+                        <a:rPr lang="fr-FR" b="0" i="1" dirty="0" smtClean="0">
+                          <a:latin typeface="Cambria Math" panose="02040503050406030204" pitchFamily="18" charset="0"/>
+                        </a:rPr>
+                        <m:t>)</m:t>
+                      </m:r>
+                    </m:oMath>
+                  </m:oMathPara>
+                </a14:m>
+                <a:endParaRPr lang="fr-FR" dirty="0"/>
+              </a:p>
+            </p:txBody>
+          </p:sp>
+        </mc:Choice>
+        <mc:Fallback>
+          <p:sp>
+            <p:nvSpPr>
+              <p:cNvPr id="3" name="ZoneTexte 2">
+                <a:extLst>
+                  <a:ext uri="{FF2B5EF4-FFF2-40B4-BE49-F238E27FC236}">
+                    <a16:creationId xmlns:a16="http://schemas.microsoft.com/office/drawing/2014/main" id="{24ACF933-578F-41B9-9432-B5F423FC86E9}"/>
+                  </a:ext>
+                </a:extLst>
+              </p:cNvPr>
+              <p:cNvSpPr txBox="1">
+                <a:spLocks noRot="1" noChangeAspect="1" noMove="1" noResize="1" noEditPoints="1" noAdjustHandles="1" noChangeArrowheads="1" noChangeShapeType="1" noTextEdit="1"/>
+              </p:cNvSpPr>
+              <p:nvPr/>
+            </p:nvSpPr>
+            <p:spPr>
+              <a:xfrm>
+                <a:off x="781664" y="907375"/>
+                <a:ext cx="7949381" cy="1927900"/>
+              </a:xfrm>
+              <a:prstGeom prst="rect">
+                <a:avLst/>
+              </a:prstGeom>
+              <a:blipFill>
+                <a:blip r:embed="rId2"/>
+                <a:stretch>
+                  <a:fillRect l="-613" t="-1899"/>
+                </a:stretch>
+              </a:blipFill>
+            </p:spPr>
+            <p:txBody>
+              <a:bodyPr/>
+              <a:lstStyle/>
+              <a:p>
+                <a:r>
+                  <a:rPr lang="fr-FR">
+                    <a:noFill/>
+                  </a:rPr>
+                  <a:t> </a:t>
+                </a:r>
+              </a:p>
+            </p:txBody>
+          </p:sp>
+        </mc:Fallback>
+      </mc:AlternateContent>
+    </p:spTree>
+    <p:extLst>
+      <p:ext uri="{BB962C8B-B14F-4D97-AF65-F5344CB8AC3E}">
+        <p14:creationId xmlns:p14="http://schemas.microsoft.com/office/powerpoint/2010/main" val="3369803153"/>
+      </p:ext>
+    </p:extLst>
+  </p:cSld>
+  <p:clrMapOvr>
+    <a:masterClrMapping/>
+  </p:clrMapOvr>
+</p:sld>
+</file>
+
+<file path=ppt/slides/slide6.xml><?xml version="1.0" encoding="utf-8"?>
+<p:sld xmlns:a="http://schemas.openxmlformats.org/drawingml/2006/main" xmlns:r="http://schemas.openxmlformats.org/officeDocument/2006/relationships" xmlns:p="http://schemas.openxmlformats.org/presentationml/2006/main">
+  <p:cSld>
+    <p:spTree>
+      <p:nvGrpSpPr>
+        <p:cNvPr id="1" name=""/>
+        <p:cNvGrpSpPr/>
+        <p:nvPr/>
+      </p:nvGrpSpPr>
+      <p:grpSpPr>
+        <a:xfrm>
+          <a:off x="0" y="0"/>
+          <a:ext cx="0" cy="0"/>
+          <a:chOff x="0" y="0"/>
+          <a:chExt cx="0" cy="0"/>
+        </a:xfrm>
+      </p:grpSpPr>
+      <p:sp>
+        <p:nvSpPr>
+          <p:cNvPr id="2" name="Titre 1">
+            <a:extLst>
+              <a:ext uri="{FF2B5EF4-FFF2-40B4-BE49-F238E27FC236}">
+                <a16:creationId xmlns:a16="http://schemas.microsoft.com/office/drawing/2014/main" id="{D6079B74-031B-4EC8-A7D5-0318262AC0A6}"/>
+              </a:ext>
+            </a:extLst>
+          </p:cNvPr>
+          <p:cNvSpPr txBox="1">
+            <a:spLocks/>
+          </p:cNvSpPr>
+          <p:nvPr/>
+        </p:nvSpPr>
+        <p:spPr>
+          <a:xfrm>
+            <a:off x="625" y="-187374"/>
+            <a:ext cx="10080000" cy="1080000"/>
+          </a:xfrm>
+          <a:prstGeom prst="rect">
+            <a:avLst/>
+          </a:prstGeom>
+          <a:noFill/>
+          <a:ln>
+            <a:noFill/>
+          </a:ln>
+        </p:spPr>
+        <p:txBody>
+          <a:bodyPr vert="horz" lIns="0" tIns="0" rIns="0" bIns="0" anchor="ctr"/>
+          <a:lstStyle>
+            <a:lvl1pPr algn="ctr" rtl="0" hangingPunct="0">
+              <a:tabLst/>
+              <a:defRPr lang="fr-FR" sz="3300" b="0" i="0" u="none" strike="noStrike" kern="1200" cap="none">
+                <a:ln>
+                  <a:noFill/>
+                </a:ln>
+                <a:solidFill>
+                  <a:srgbClr val="DD4100"/>
+                </a:solidFill>
+                <a:highlight>
+                  <a:scrgbClr r="0" g="0" b="0">
+                    <a:alpha val="0"/>
+                  </a:scrgbClr>
+                </a:highlight>
+                <a:latin typeface="Liberation Sans" pitchFamily="18"/>
+              </a:defRPr>
+            </a:lvl1pPr>
+          </a:lstStyle>
+          <a:p>
+            <a:r>
+              <a:rPr lang="fr-FR" sz="3000" dirty="0">
+                <a:cs typeface="Tahoma" pitchFamily="2"/>
+              </a:rPr>
+              <a:t>Une solution plus efficace: la programmation dynamique.</a:t>
+            </a:r>
+          </a:p>
+        </p:txBody>
+      </p:sp>
       <p:sp>
         <p:nvSpPr>
           <p:cNvPr id="3" name="ZoneTexte 2">
@@ -4747,7 +5395,7 @@
         </p:nvSpPr>
         <p:spPr>
           <a:xfrm>
-            <a:off x="199103" y="730045"/>
+            <a:off x="199103" y="1437968"/>
             <a:ext cx="3915697" cy="1200329"/>
           </a:xfrm>
           <a:prstGeom prst="rect">
@@ -4807,7 +5455,7 @@
         </p:nvSpPr>
         <p:spPr>
           <a:xfrm>
-            <a:off x="4793854" y="668489"/>
+            <a:off x="4793854" y="1376412"/>
             <a:ext cx="5213032" cy="1323439"/>
           </a:xfrm>
           <a:prstGeom prst="rect">
@@ -4849,7 +5497,7 @@
         </p:nvSpPr>
         <p:spPr>
           <a:xfrm>
-            <a:off x="199102" y="2271252"/>
+            <a:off x="199102" y="2979175"/>
             <a:ext cx="3915697" cy="2031325"/>
           </a:xfrm>
           <a:prstGeom prst="rect">
@@ -4892,14 +5540,14 @@
           <p:nvPr>
             <p:extLst>
               <p:ext uri="{D42A27DB-BD31-4B8C-83A1-F6EECF244321}">
-                <p14:modId xmlns:p14="http://schemas.microsoft.com/office/powerpoint/2010/main" val="2293118755"/>
+                <p14:modId xmlns:p14="http://schemas.microsoft.com/office/powerpoint/2010/main" val="315271865"/>
               </p:ext>
             </p:extLst>
           </p:nvPr>
         </p:nvGraphicFramePr>
         <p:xfrm>
-          <a:off x="4793854" y="2418733"/>
-          <a:ext cx="5213030" cy="2031324"/>
+          <a:off x="4793854" y="3209818"/>
+          <a:ext cx="5213030" cy="1948160"/>
         </p:xfrm>
         <a:graphic>
           <a:graphicData uri="http://schemas.openxmlformats.org/drawingml/2006/table">
@@ -4944,7 +5592,7 @@
                   </a:extLst>
                 </a:gridCol>
               </a:tblGrid>
-              <a:tr h="507831">
+              <a:tr h="487040">
                 <a:tc>
                   <a:txBody>
                     <a:bodyPr/>
@@ -5016,7 +5664,7 @@
                   </a:ext>
                 </a:extLst>
               </a:tr>
-              <a:tr h="507831">
+              <a:tr h="487040">
                 <a:tc>
                   <a:txBody>
                     <a:bodyPr/>
@@ -5076,7 +5724,7 @@
                   </a:ext>
                 </a:extLst>
               </a:tr>
-              <a:tr h="507831">
+              <a:tr h="487040">
                 <a:tc>
                   <a:txBody>
                     <a:bodyPr/>
@@ -5136,7 +5784,7 @@
                   </a:ext>
                 </a:extLst>
               </a:tr>
-              <a:tr h="507831">
+              <a:tr h="487040">
                 <a:tc>
                   <a:txBody>
                     <a:bodyPr/>
@@ -5214,7 +5862,7 @@
         </p:nvSpPr>
         <p:spPr>
           <a:xfrm>
-            <a:off x="4793852" y="2116394"/>
+            <a:off x="4793852" y="2824317"/>
             <a:ext cx="5213032" cy="369332"/>
           </a:xfrm>
           <a:prstGeom prst="rect">
@@ -5249,7 +5897,7 @@
         </p:nvSpPr>
         <p:spPr>
           <a:xfrm>
-            <a:off x="4513007" y="2418732"/>
+            <a:off x="4513007" y="3126655"/>
             <a:ext cx="442451" cy="2031325"/>
           </a:xfrm>
           <a:prstGeom prst="rect">
@@ -5311,7 +5959,7 @@
         </p:nvSpPr>
         <p:spPr>
           <a:xfrm>
-            <a:off x="5324169" y="4632729"/>
+            <a:off x="5324169" y="5340652"/>
             <a:ext cx="4424516" cy="369332"/>
           </a:xfrm>
           <a:prstGeom prst="rect">
@@ -5345,7 +5993,7 @@
 </p:sld>
 </file>
 
-<file path=ppt/slides/slide6.xml><?xml version="1.0" encoding="utf-8"?>
+<file path=ppt/slides/slide7.xml><?xml version="1.0" encoding="utf-8"?>
 <p:sld xmlns:a="http://schemas.openxmlformats.org/drawingml/2006/main" xmlns:r="http://schemas.openxmlformats.org/officeDocument/2006/relationships" xmlns:p="http://schemas.openxmlformats.org/presentationml/2006/main">
   <p:cSld>
     <p:spTree>
@@ -6867,7 +7515,7 @@
 </p:sld>
 </file>
 
-<file path=ppt/slides/slide7.xml><?xml version="1.0" encoding="utf-8"?>
+<file path=ppt/slides/slide8.xml><?xml version="1.0" encoding="utf-8"?>
 <p:sld xmlns:a="http://schemas.openxmlformats.org/drawingml/2006/main" xmlns:r="http://schemas.openxmlformats.org/officeDocument/2006/relationships" xmlns:p="http://schemas.openxmlformats.org/presentationml/2006/main">
   <p:cSld>
     <p:spTree>
@@ -7011,7 +7659,7 @@
 </p:sld>
 </file>
 
-<file path=ppt/slides/slide8.xml><?xml version="1.0" encoding="utf-8"?>
+<file path=ppt/slides/slide9.xml><?xml version="1.0" encoding="utf-8"?>
 <p:sld xmlns:a="http://schemas.openxmlformats.org/drawingml/2006/main" xmlns:r="http://schemas.openxmlformats.org/officeDocument/2006/relationships" xmlns:p="http://schemas.openxmlformats.org/presentationml/2006/main">
   <p:cSld>
     <p:spTree>
